--- a/slides/WSTA_L14_n-gram_language_models.pptx
+++ b/slides/WSTA_L14_n-gram_language_models.pptx
@@ -896,7 +896,7 @@
           </a:ln>
           <a:extLst>
             <a:ext uri="{C572A759-6A51-4108-AA02-DFA0A04FC94B}">
-              <ma14:wrappingTextBoxFlag xmlns="" xmlns:ma14="http://schemas.microsoft.com/office/mac/drawingml/2011/main" val="1"/>
+              <ma14:wrappingTextBoxFlag xmlns:ma14="http://schemas.microsoft.com/office/mac/drawingml/2011/main" xmlns="" val="1"/>
             </a:ext>
           </a:extLst>
         </p:spPr>
@@ -2574,7 +2574,7 @@
           </a:ln>
           <a:extLst>
             <a:ext uri="{C572A759-6A51-4108-AA02-DFA0A04FC94B}">
-              <ma14:wrappingTextBoxFlag xmlns="" xmlns:ma14="http://schemas.microsoft.com/office/mac/drawingml/2011/main" val="1"/>
+              <ma14:wrappingTextBoxFlag xmlns:ma14="http://schemas.microsoft.com/office/mac/drawingml/2011/main" xmlns="" val="1"/>
             </a:ext>
           </a:extLst>
         </p:spPr>
@@ -2614,7 +2614,7 @@
           </a:ln>
           <a:extLst>
             <a:ext uri="{C572A759-6A51-4108-AA02-DFA0A04FC94B}">
-              <ma14:wrappingTextBoxFlag xmlns="" xmlns:ma14="http://schemas.microsoft.com/office/mac/drawingml/2011/main" val="1"/>
+              <ma14:wrappingTextBoxFlag xmlns:ma14="http://schemas.microsoft.com/office/mac/drawingml/2011/main" xmlns="" val="1"/>
             </a:ext>
           </a:extLst>
         </p:spPr>
@@ -5420,14 +5420,18 @@
             </a:r>
             <a:r>
               <a:rPr lang="en-AU" i="1" dirty="0" smtClean="0"/>
-              <a:t>k smoothing</a:t>
+              <a:t>k </a:t>
+            </a:r>
+            <a:r>
+              <a:rPr lang="en-AU" dirty="0" smtClean="0"/>
+              <a:t>smoothing</a:t>
             </a:r>
             <a:endParaRPr lang="en-AU" dirty="0"/>
           </a:p>
         </p:txBody>
       </p:sp>
-      <mc:AlternateContent xmlns:mc="http://schemas.openxmlformats.org/markup-compatibility/2006" xmlns:a14="http://schemas.microsoft.com/office/drawing/2010/main">
-        <mc:Choice Requires="a14">
+      <mc:AlternateContent xmlns:mc="http://schemas.openxmlformats.org/markup-compatibility/2006">
+        <mc:Choice xmlns:a14="http://schemas.microsoft.com/office/drawing/2010/main" Requires="a14">
           <p:sp>
             <p:nvSpPr>
               <p:cNvPr id="3" name="Text Placeholder 2"/>
@@ -5907,20 +5911,41 @@
               <a:p>
                 <a:r>
                   <a:rPr lang="en-AU" dirty="0" smtClean="0"/>
-                  <a:t>Still not a competitive method</a:t>
-                </a:r>
+                  <a:t>Still not a competitive </a:t>
+                </a:r>
+                <a:r>
+                  <a:rPr lang="en-AU" dirty="0" smtClean="0"/>
+                  <a:t>method for language modelling</a:t>
+                </a:r>
+                <a:endParaRPr lang="en-AU" dirty="0" smtClean="0"/>
               </a:p>
               <a:p>
                 <a:pPr lvl="1"/>
                 <a:r>
                   <a:rPr lang="en-AU" dirty="0" smtClean="0"/>
-                  <a:t>Smooths too indiscriminately </a:t>
-                </a:r>
+                  <a:t>Smooths too </a:t>
+                </a:r>
+                <a:r>
+                  <a:rPr lang="en-AU" dirty="0" smtClean="0"/>
+                  <a:t>indiscriminately</a:t>
+                </a:r>
+              </a:p>
+              <a:p>
+                <a:pPr lvl="1"/>
+                <a:r>
+                  <a:rPr lang="en-AU" dirty="0" smtClean="0"/>
+                  <a:t>Still useful in other contexts (Naïve Bayes)</a:t>
+                </a:r>
+                <a:r>
+                  <a:rPr lang="en-AU" dirty="0" smtClean="0"/>
+                  <a:t> </a:t>
+                </a:r>
+                <a:endParaRPr lang="en-AU" dirty="0" smtClean="0"/>
               </a:p>
             </p:txBody>
           </p:sp>
         </mc:Choice>
-        <mc:Fallback xmlns="">
+        <mc:Fallback>
           <p:sp>
             <p:nvSpPr>
               <p:cNvPr id="3" name="Text Placeholder 2"/>
@@ -8066,7 +8091,15 @@
           <a:p>
             <a:r>
               <a:rPr lang="en-AU" dirty="0" smtClean="0"/>
-              <a:t>How much to take away from seen </a:t>
+              <a:t>How </a:t>
+            </a:r>
+            <a:r>
+              <a:rPr lang="en-AU" dirty="0" smtClean="0"/>
+              <a:t>many counts to </a:t>
+            </a:r>
+            <a:r>
+              <a:rPr lang="en-AU" dirty="0" smtClean="0"/>
+              <a:t>take away from seen </a:t>
             </a:r>
             <a:r>
               <a:rPr lang="en-AU" i="1" dirty="0" smtClean="0"/>
@@ -8617,7 +8650,7 @@
       </p:par>
     </p:tnLst>
     <p:bldLst>
-      <p:bldP spid="3" grpId="0" uiExpand="1" build="p"/>
+      <p:bldP spid="3" grpId="0" uiExpand="1" build="p" animBg="1"/>
     </p:bldLst>
   </p:timing>
 </p:sld>
@@ -8665,8 +8698,8 @@
           </a:p>
         </p:txBody>
       </p:sp>
-      <mc:AlternateContent xmlns:mc="http://schemas.openxmlformats.org/markup-compatibility/2006">
-        <mc:Choice xmlns:a14="http://schemas.microsoft.com/office/drawing/2010/main" Requires="a14">
+      <mc:AlternateContent xmlns:mc="http://schemas.openxmlformats.org/markup-compatibility/2006" xmlns:a14="http://schemas.microsoft.com/office/drawing/2010/main">
+        <mc:Choice Requires="a14">
           <p:sp>
             <p:nvSpPr>
               <p:cNvPr id="3" name="Text Placeholder 2"/>
@@ -8750,11 +8783,7 @@
                 <a:pPr lvl="1"/>
                 <a:r>
                   <a:rPr lang="en-AU" dirty="0" smtClean="0"/>
-                  <a:t>But just 1 for </a:t>
-                </a:r>
-                <a:r>
-                  <a:rPr lang="en-AU" dirty="0" smtClean="0"/>
-                  <a:t>Zealand</a:t>
+                  <a:t>But just 1 for Zealand</a:t>
                 </a:r>
               </a:p>
               <a:p>
@@ -8964,12 +8993,11 @@
                   <a:rPr lang="en-AU" dirty="0" smtClean="0"/>
                   <a:t>|</a:t>
                 </a:r>
-                <a:endParaRPr lang="en-AU" dirty="0" smtClean="0"/>
               </a:p>
             </p:txBody>
           </p:sp>
         </mc:Choice>
-        <mc:Fallback>
+        <mc:Fallback xmlns="">
           <p:sp>
             <p:nvSpPr>
               <p:cNvPr id="3" name="Text Placeholder 2"/>
@@ -12334,7 +12362,7 @@
               </a14:hiddenLine>
             </a:ext>
             <a:ext uri="{FAA26D3D-D897-4be2-8F04-BA451C77F1D7}">
-              <ma14:placeholderFlag xmlns:lc="http://schemas.openxmlformats.org/drawingml/2006/lockedCanvas" xmlns:ma14="http://schemas.microsoft.com/office/mac/drawingml/2011/main" xmlns="" val="1"/>
+              <ma14:placeholderFlag xmlns="" xmlns:ma14="http://schemas.microsoft.com/office/mac/drawingml/2011/main" xmlns:lc="http://schemas.openxmlformats.org/drawingml/2006/lockedCanvas" val="1"/>
             </a:ext>
           </a:extLst>
         </p:spPr>
@@ -15295,69 +15323,12 @@
                           </m:r>
                         </m:num>
                         <m:den>
-                          <m:nary>
-                            <m:naryPr>
-                              <m:chr m:val="∑"/>
-                              <m:supHide m:val="on"/>
-                              <m:ctrlPr>
-                                <a:rPr lang="en-AU" sz="3600" i="1" dirty="0" smtClean="0">
-                                  <a:latin typeface="Cambria Math"/>
-                                </a:rPr>
-                              </m:ctrlPr>
-                            </m:naryPr>
-                            <m:sub>
-                              <m:r>
-                                <m:rPr>
-                                  <m:brk m:alnAt="7"/>
-                                </m:rPr>
-                                <a:rPr lang="en-AU" sz="3600" b="0" i="1" dirty="0" smtClean="0">
-                                  <a:latin typeface="Cambria Math"/>
-                                </a:rPr>
-                                <m:t>𝑣</m:t>
-                              </m:r>
-                              <m:r>
-                                <a:rPr lang="en-AU" sz="3600" b="0" i="1" dirty="0" smtClean="0">
-                                  <a:latin typeface="Cambria Math"/>
-                                  <a:ea typeface="Cambria Math"/>
-                                </a:rPr>
-                                <m:t>∈</m:t>
-                              </m:r>
-                              <m:r>
-                                <a:rPr lang="en-AU" sz="3600" b="0" i="1" dirty="0" smtClean="0">
-                                  <a:latin typeface="Cambria Math"/>
-                                  <a:ea typeface="Cambria Math"/>
-                                </a:rPr>
-                                <m:t>𝑉</m:t>
-                              </m:r>
-                            </m:sub>
-                            <m:sup/>
-                            <m:e>
-                              <m:r>
-                                <a:rPr lang="en-AU" sz="3600" b="0" i="1" dirty="0" smtClean="0">
-                                  <a:latin typeface="Cambria Math"/>
-                                </a:rPr>
-                                <m:t>𝐶</m:t>
-                              </m:r>
-                              <m:r>
-                                <a:rPr lang="en-AU" sz="3600" b="0" i="1" dirty="0" smtClean="0">
-                                  <a:latin typeface="Cambria Math"/>
-                                </a:rPr>
-                                <m:t>(</m:t>
-                              </m:r>
-                              <m:r>
-                                <a:rPr lang="en-AU" sz="3600" b="0" i="1" dirty="0" smtClean="0">
-                                  <a:latin typeface="Cambria Math"/>
-                                </a:rPr>
-                                <m:t>𝑣</m:t>
-                              </m:r>
-                              <m:r>
-                                <a:rPr lang="en-AU" sz="3600" b="0" i="1" dirty="0" smtClean="0">
-                                  <a:latin typeface="Cambria Math"/>
-                                </a:rPr>
-                                <m:t>)</m:t>
-                              </m:r>
-                            </m:e>
-                          </m:nary>
+                          <m:r>
+                            <a:rPr lang="en-AU" sz="3600" b="0" i="1" dirty="0" smtClean="0">
+                              <a:latin typeface="Cambria Math"/>
+                            </a:rPr>
+                            <m:t>𝑀</m:t>
+                          </m:r>
                         </m:den>
                       </m:f>
                     </m:oMath>
@@ -16102,8 +16073,8 @@
           </a:p>
         </p:txBody>
       </p:sp>
-      <mc:AlternateContent xmlns:mc="http://schemas.openxmlformats.org/markup-compatibility/2006">
-        <mc:Choice xmlns:a14="http://schemas.microsoft.com/office/drawing/2010/main" Requires="a14">
+      <mc:AlternateContent xmlns:mc="http://schemas.openxmlformats.org/markup-compatibility/2006" xmlns:a14="http://schemas.microsoft.com/office/drawing/2010/main">
+        <mc:Choice Requires="a14">
           <p:sp>
             <p:nvSpPr>
               <p:cNvPr id="3" name="Text Placeholder 2"/>
@@ -16249,11 +16220,7 @@
                 </a:pPr>
                 <a:r>
                   <a:rPr lang="en-AU" dirty="0" smtClean="0"/>
-                  <a:t>Under a trigram language model</a:t>
-                </a:r>
-                <a:r>
-                  <a:rPr lang="en-AU" dirty="0" smtClean="0"/>
-                  <a:t>?</a:t>
+                  <a:t>Under a trigram language model?</a:t>
                 </a:r>
               </a:p>
               <a:p>
@@ -16266,11 +16233,7 @@
                 </a:r>
                 <a:r>
                   <a:rPr lang="en-AU" i="1" dirty="0" smtClean="0"/>
-                  <a:t>(yes </a:t>
-                </a:r>
-                <a:r>
-                  <a:rPr lang="en-AU" i="1" dirty="0" smtClean="0"/>
-                  <a:t>| &lt;</a:t>
+                  <a:t>(yes | &lt;</a:t>
                 </a:r>
                 <a:r>
                   <a:rPr lang="en-AU" dirty="0" smtClean="0"/>
@@ -16617,7 +16580,7 @@
             </p:txBody>
           </p:sp>
         </mc:Choice>
-        <mc:Fallback>
+        <mc:Fallback xmlns="">
           <p:sp>
             <p:nvSpPr>
               <p:cNvPr id="3" name="Text Placeholder 2"/>
@@ -16779,15 +16742,20 @@
             </a:r>
             <a:r>
               <a:rPr lang="en-AU" dirty="0" smtClean="0"/>
-              <a:t>-gram we’ve never seen before, zero probability for the sentence</a:t>
+              <a:t>-gram we’ve never seen before, zero probability for the </a:t>
+            </a:r>
+            <a:r>
+              <a:rPr lang="en-AU" dirty="0" smtClean="0"/>
+              <a:t>sentence</a:t>
             </a:r>
           </a:p>
           <a:p>
             <a:pPr lvl="1"/>
             <a:r>
               <a:rPr lang="en-AU" dirty="0" smtClean="0"/>
-              <a:t>Need smoothing to give unseen events some probability</a:t>
+              <a:t>Need to smooth the LM</a:t>
             </a:r>
+            <a:endParaRPr lang="en-AU" dirty="0" smtClean="0"/>
           </a:p>
         </p:txBody>
       </p:sp>
